--- a/TEAS_draft-lee-teas-actn-pm-telemetry-autonomics-07_IETF 102-V2.pptx
+++ b/TEAS_draft-lee-teas-actn-pm-telemetry-autonomics-07_IETF 102-V2.pptx
@@ -5,10 +5,10 @@
     <p:sldMasterId id="2147483720" r:id="rId2"/>
   </p:sldMasterIdLst>
   <p:notesMasterIdLst>
-    <p:notesMasterId r:id="rId11"/>
+    <p:notesMasterId r:id="rId12"/>
   </p:notesMasterIdLst>
   <p:handoutMasterIdLst>
-    <p:handoutMasterId r:id="rId12"/>
+    <p:handoutMasterId r:id="rId13"/>
   </p:handoutMasterIdLst>
   <p:sldIdLst>
     <p:sldId id="257" r:id="rId3"/>
@@ -19,6 +19,7 @@
     <p:sldId id="284" r:id="rId8"/>
     <p:sldId id="286" r:id="rId9"/>
     <p:sldId id="281" r:id="rId10"/>
+    <p:sldId id="287" r:id="rId11"/>
   </p:sldIdLst>
   <p:sldSz cx="12192000" cy="6858000"/>
   <p:notesSz cx="6858000" cy="9144000"/>
@@ -5058,7 +5059,7 @@
         </p:nvSpPr>
         <p:spPr>
           <a:xfrm>
-            <a:off x="1089329" y="1335819"/>
+            <a:off x="1089329" y="2594167"/>
             <a:ext cx="10058400" cy="1510350"/>
           </a:xfrm>
         </p:spPr>
@@ -5264,12 +5265,13 @@
             </a:r>
             <a:r>
               <a:rPr lang="en-US" dirty="0"/>
-              <a:t>Telemetry for Tunnel and VN </a:t>
+              <a:t>Telemetry for Tunnel and </a:t>
             </a:r>
             <a:r>
               <a:rPr lang="en-US" dirty="0" smtClean="0"/>
-              <a:t>level: </a:t>
-            </a:r>
+              <a:t>ACTN VN level respectively: </a:t>
+            </a:r>
+            <a:endParaRPr lang="en-US" dirty="0" smtClean="0"/>
           </a:p>
           <a:p>
             <a:pPr lvl="2">
@@ -5354,6 +5356,27 @@
               <a:rPr lang="en-US" dirty="0" smtClean="0"/>
               <a:t>.) </a:t>
             </a:r>
+            <a:endParaRPr lang="en-US" dirty="0" smtClean="0"/>
+          </a:p>
+          <a:p>
+            <a:pPr lvl="2">
+              <a:buFont typeface="Wingdings" panose="05000000000000000000" pitchFamily="2" charset="2"/>
+              <a:buChar char="§"/>
+            </a:pPr>
+            <a:r>
+              <a:rPr lang="en-US" dirty="0" smtClean="0"/>
+              <a:t>i.e. setting the exact condition when the tunnel or VN should be scaled in/out </a:t>
+            </a:r>
+          </a:p>
+          <a:p>
+            <a:pPr lvl="2">
+              <a:buFont typeface="Wingdings" panose="05000000000000000000" pitchFamily="2" charset="2"/>
+              <a:buChar char="§"/>
+            </a:pPr>
+            <a:r>
+              <a:rPr lang="en-US" dirty="0" smtClean="0"/>
+              <a:t>and the performance parameter on which scaling should be done!  </a:t>
+            </a:r>
             <a:endParaRPr lang="en-US" dirty="0"/>
           </a:p>
           <a:p>
@@ -5363,8 +5386,13 @@
             </a:pPr>
             <a:r>
               <a:rPr lang="en-US" dirty="0"/>
-              <a:t>ACTN CMI Model – Customer-Driven Model</a:t>
-            </a:r>
+              <a:t>ACTN CMI Model – Customer-Driven </a:t>
+            </a:r>
+            <a:r>
+              <a:rPr lang="en-US" dirty="0" smtClean="0"/>
+              <a:t>Model for ACTN VN and ACTN MPI Model for TE-tunnel</a:t>
+            </a:r>
+            <a:endParaRPr lang="en-US" dirty="0"/>
           </a:p>
           <a:p>
             <a:pPr>
@@ -5546,83 +5574,17 @@
         <p:spPr/>
         <p:txBody>
           <a:bodyPr>
-            <a:normAutofit fontScale="90000"/>
+            <a:normAutofit/>
           </a:bodyPr>
           <a:lstStyle/>
           <a:p>
             <a:r>
               <a:rPr lang="en-US" dirty="0" smtClean="0"/>
-              <a:t>Yang Model Relationships</a:t>
-            </a:r>
-            <a:r>
-              <a:rPr lang="en-US" dirty="0"/>
-              <a:t/>
-            </a:r>
-            <a:br>
-              <a:rPr lang="en-US" dirty="0"/>
-            </a:br>
-            <a:r>
-              <a:rPr lang="en-US" sz="3100" dirty="0" err="1" smtClean="0"/>
-              <a:t>ietf</a:t>
-            </a:r>
-            <a:r>
-              <a:rPr lang="en-US" sz="3100" dirty="0" smtClean="0"/>
-              <a:t>-</a:t>
-            </a:r>
-            <a:r>
-              <a:rPr lang="en-US" sz="3100" dirty="0" err="1" smtClean="0"/>
-              <a:t>te</a:t>
-            </a:r>
-            <a:r>
-              <a:rPr lang="en-US" sz="3100" dirty="0" smtClean="0"/>
-              <a:t>-</a:t>
-            </a:r>
-            <a:r>
-              <a:rPr lang="en-US" sz="3100" dirty="0" err="1" smtClean="0"/>
-              <a:t>kpi</a:t>
-            </a:r>
-            <a:r>
-              <a:rPr lang="en-US" sz="3100" dirty="0" smtClean="0"/>
-              <a:t>-telemetry &amp;</a:t>
-            </a:r>
-            <a:r>
-              <a:rPr lang="en-US" sz="3100" dirty="0"/>
-              <a:t/>
-            </a:r>
-            <a:br>
-              <a:rPr lang="en-US" sz="3100" dirty="0"/>
-            </a:br>
-            <a:r>
-              <a:rPr lang="en-US" sz="3100" dirty="0" err="1" smtClean="0"/>
-              <a:t>ietf</a:t>
-            </a:r>
-            <a:r>
-              <a:rPr lang="en-US" sz="3100" dirty="0" smtClean="0"/>
-              <a:t>-</a:t>
-            </a:r>
-            <a:r>
-              <a:rPr lang="en-US" sz="3100" dirty="0" err="1" smtClean="0"/>
-              <a:t>actn</a:t>
-            </a:r>
-            <a:r>
-              <a:rPr lang="en-US" sz="3100" dirty="0" smtClean="0"/>
-              <a:t>-</a:t>
-            </a:r>
-            <a:r>
-              <a:rPr lang="en-US" sz="3100" dirty="0" err="1" smtClean="0"/>
-              <a:t>te</a:t>
-            </a:r>
-            <a:r>
-              <a:rPr lang="en-US" sz="3100" dirty="0" smtClean="0"/>
-              <a:t>-</a:t>
-            </a:r>
-            <a:r>
-              <a:rPr lang="en-US" sz="3100" dirty="0" err="1" smtClean="0"/>
-              <a:t>kpi</a:t>
-            </a:r>
-            <a:r>
-              <a:rPr lang="en-US" sz="3100" dirty="0" smtClean="0"/>
-              <a:t>-telemetry</a:t>
+              <a:t>Yang Model </a:t>
+            </a:r>
+            <a:r>
+              <a:rPr lang="en-US" dirty="0" smtClean="0"/>
+              <a:t>Relationships</a:t>
             </a:r>
             <a:endParaRPr lang="en-US" sz="3100" dirty="0"/>
           </a:p>
@@ -5682,7 +5644,7 @@
         </p:nvSpPr>
         <p:spPr>
           <a:xfrm>
-            <a:off x="719040" y="1772816"/>
+            <a:off x="719040" y="2024486"/>
             <a:ext cx="1536352" cy="648072"/>
           </a:xfrm>
           <a:prstGeom prst="roundRect">
@@ -5723,7 +5685,7 @@
         </p:nvSpPr>
         <p:spPr>
           <a:xfrm>
-            <a:off x="3479528" y="1772816"/>
+            <a:off x="3479528" y="2024486"/>
             <a:ext cx="1536352" cy="648072"/>
           </a:xfrm>
           <a:prstGeom prst="roundRect">
@@ -5769,7 +5731,7 @@
         </p:nvCxnSpPr>
         <p:spPr>
           <a:xfrm flipH="1">
-            <a:off x="2255392" y="2096852"/>
+            <a:off x="2255392" y="2348522"/>
             <a:ext cx="1224136" cy="0"/>
           </a:xfrm>
           <a:prstGeom prst="straightConnector1">
@@ -5802,7 +5764,7 @@
         </p:nvSpPr>
         <p:spPr>
           <a:xfrm>
-            <a:off x="2499038" y="1819854"/>
+            <a:off x="2499038" y="2071524"/>
             <a:ext cx="864096" cy="276999"/>
           </a:xfrm>
           <a:prstGeom prst="rect">
@@ -5831,7 +5793,7 @@
         </p:nvSpPr>
         <p:spPr>
           <a:xfrm>
-            <a:off x="7248128" y="1772816"/>
+            <a:off x="7248128" y="2024486"/>
             <a:ext cx="1536352" cy="648072"/>
           </a:xfrm>
           <a:prstGeom prst="roundRect">
@@ -5872,7 +5834,7 @@
         </p:nvSpPr>
         <p:spPr>
           <a:xfrm>
-            <a:off x="10008616" y="1772816"/>
+            <a:off x="10008616" y="2024486"/>
             <a:ext cx="1536352" cy="648072"/>
           </a:xfrm>
           <a:prstGeom prst="roundRect">
@@ -5918,7 +5880,7 @@
         </p:nvCxnSpPr>
         <p:spPr>
           <a:xfrm flipH="1">
-            <a:off x="8784480" y="2096852"/>
+            <a:off x="8784480" y="2348522"/>
             <a:ext cx="1224136" cy="0"/>
           </a:xfrm>
           <a:prstGeom prst="straightConnector1">
@@ -5951,7 +5913,7 @@
         </p:nvSpPr>
         <p:spPr>
           <a:xfrm>
-            <a:off x="9028126" y="1819854"/>
+            <a:off x="9028126" y="2071524"/>
             <a:ext cx="864096" cy="276999"/>
           </a:xfrm>
           <a:prstGeom prst="rect">
@@ -5980,7 +5942,7 @@
         </p:nvSpPr>
         <p:spPr>
           <a:xfrm>
-            <a:off x="335360" y="2708920"/>
+            <a:off x="335360" y="2960590"/>
             <a:ext cx="5832648" cy="2585323"/>
           </a:xfrm>
           <a:prstGeom prst="rect">
@@ -6073,7 +6035,7 @@
         </p:nvSpPr>
         <p:spPr>
           <a:xfrm>
-            <a:off x="6321974" y="2708921"/>
+            <a:off x="6321974" y="2960591"/>
             <a:ext cx="5390651" cy="2031325"/>
           </a:xfrm>
           <a:prstGeom prst="rect">
@@ -6149,7 +6111,7 @@
         </p:nvSpPr>
         <p:spPr>
           <a:xfrm>
-            <a:off x="335360" y="4769019"/>
+            <a:off x="335360" y="5020689"/>
             <a:ext cx="6096000" cy="923330"/>
           </a:xfrm>
           <a:prstGeom prst="rect">
@@ -6300,8 +6262,13 @@
             </a:r>
             <a:r>
               <a:rPr lang="en-US" dirty="0" smtClean="0"/>
-              <a:t>Presented in IETF 100. </a:t>
-            </a:r>
+              <a:t>Presented in IETF </a:t>
+            </a:r>
+            <a:r>
+              <a:rPr lang="en-US" dirty="0" smtClean="0"/>
+              <a:t>100. </a:t>
+            </a:r>
+            <a:endParaRPr lang="en-US" dirty="0" smtClean="0"/>
           </a:p>
           <a:p>
             <a:pPr>
@@ -13112,8 +13079,8 @@
         </p:nvSpPr>
         <p:spPr>
           <a:xfrm rot="16200000">
-            <a:off x="4994016" y="4811967"/>
-            <a:ext cx="2576475" cy="369332"/>
+            <a:off x="4310808" y="4072342"/>
+            <a:ext cx="3901837" cy="523220"/>
           </a:xfrm>
           <a:prstGeom prst="rect">
             <a:avLst/>
@@ -13126,35 +13093,35 @@
           <a:lstStyle/>
           <a:p>
             <a:r>
-              <a:rPr lang="en-US" dirty="0" err="1"/>
+              <a:rPr lang="en-US" sz="2800" dirty="0" err="1"/>
               <a:t>ietf</a:t>
             </a:r>
             <a:r>
-              <a:rPr lang="en-US" dirty="0"/>
+              <a:rPr lang="en-US" sz="2800" dirty="0"/>
               <a:t>-</a:t>
             </a:r>
             <a:r>
-              <a:rPr lang="en-US" dirty="0" err="1"/>
+              <a:rPr lang="en-US" sz="2800" dirty="0" err="1"/>
               <a:t>actn</a:t>
             </a:r>
             <a:r>
-              <a:rPr lang="en-US" dirty="0"/>
+              <a:rPr lang="en-US" sz="2800" dirty="0"/>
               <a:t>-</a:t>
             </a:r>
             <a:r>
-              <a:rPr lang="en-US" dirty="0" err="1"/>
+              <a:rPr lang="en-US" sz="2800" dirty="0" err="1"/>
               <a:t>te</a:t>
             </a:r>
             <a:r>
-              <a:rPr lang="en-US" dirty="0"/>
+              <a:rPr lang="en-US" sz="2800" dirty="0"/>
               <a:t>-</a:t>
             </a:r>
             <a:r>
-              <a:rPr lang="en-US" dirty="0" err="1"/>
+              <a:rPr lang="en-US" sz="2800" dirty="0" err="1"/>
               <a:t>kpi</a:t>
             </a:r>
             <a:r>
-              <a:rPr lang="en-US" dirty="0"/>
+              <a:rPr lang="en-US" sz="2800" dirty="0"/>
               <a:t>-telemetry</a:t>
             </a:r>
           </a:p>
@@ -13168,8 +13135,8 @@
         </p:nvSpPr>
         <p:spPr>
           <a:xfrm rot="16200000">
-            <a:off x="-762214" y="5050815"/>
-            <a:ext cx="2098780" cy="369332"/>
+            <a:off x="-1282377" y="4444239"/>
+            <a:ext cx="3158044" cy="523220"/>
           </a:xfrm>
           <a:prstGeom prst="rect">
             <a:avLst/>
@@ -13182,27 +13149,27 @@
           <a:lstStyle/>
           <a:p>
             <a:r>
-              <a:rPr lang="en-US" dirty="0" err="1"/>
+              <a:rPr lang="en-US" sz="2800" dirty="0" err="1"/>
               <a:t>ietf</a:t>
             </a:r>
             <a:r>
-              <a:rPr lang="en-US" dirty="0"/>
+              <a:rPr lang="en-US" sz="2800" dirty="0"/>
               <a:t>-</a:t>
             </a:r>
             <a:r>
-              <a:rPr lang="en-US" dirty="0" err="1"/>
+              <a:rPr lang="en-US" sz="2800" dirty="0" err="1"/>
               <a:t>te</a:t>
             </a:r>
             <a:r>
-              <a:rPr lang="en-US" dirty="0"/>
+              <a:rPr lang="en-US" sz="2800" dirty="0"/>
               <a:t>-</a:t>
             </a:r>
             <a:r>
-              <a:rPr lang="en-US" dirty="0" err="1"/>
+              <a:rPr lang="en-US" sz="2800" dirty="0" err="1"/>
               <a:t>kpi</a:t>
             </a:r>
             <a:r>
-              <a:rPr lang="en-US" dirty="0"/>
+              <a:rPr lang="en-US" sz="2800" dirty="0"/>
               <a:t>-telemetry</a:t>
             </a:r>
           </a:p>
@@ -13230,6 +13197,13 @@
       </p:transition>
     </mc:Fallback>
   </mc:AlternateContent>
+  <p:timing>
+    <p:tnLst>
+      <p:par>
+        <p:cTn id="1" dur="indefinite" restart="never" nodeType="tmRoot"/>
+      </p:par>
+    </p:tnLst>
+  </p:timing>
 </p:sld>
 </file>
 
@@ -13294,8 +13268,41 @@
             </a:pPr>
             <a:r>
               <a:rPr lang="en-US" dirty="0" smtClean="0"/>
-              <a:t> This draft provides Customer-programmable PM telemetry and Network Automatics on the CMI of ACTN architecture. </a:t>
-            </a:r>
+              <a:t> This draft provides Customer-programmable PM telemetry and Network Automatics on the </a:t>
+            </a:r>
+            <a:r>
+              <a:rPr lang="en-US" dirty="0" smtClean="0"/>
+              <a:t>CMI/MPI </a:t>
+            </a:r>
+            <a:r>
+              <a:rPr lang="en-US" dirty="0" smtClean="0"/>
+              <a:t>of ACTN architecture</a:t>
+            </a:r>
+            <a:r>
+              <a:rPr lang="en-US" dirty="0" smtClean="0"/>
+              <a:t>.</a:t>
+            </a:r>
+          </a:p>
+          <a:p>
+            <a:pPr lvl="1">
+              <a:buFont typeface="Wingdings" panose="05000000000000000000" pitchFamily="2" charset="2"/>
+              <a:buChar char="§"/>
+            </a:pPr>
+            <a:r>
+              <a:rPr lang="en-US" dirty="0" smtClean="0"/>
+              <a:t>TE-Tunnel level</a:t>
+            </a:r>
+          </a:p>
+          <a:p>
+            <a:pPr lvl="1">
+              <a:buFont typeface="Wingdings" panose="05000000000000000000" pitchFamily="2" charset="2"/>
+              <a:buChar char="§"/>
+            </a:pPr>
+            <a:r>
+              <a:rPr lang="en-US" dirty="0" smtClean="0"/>
+              <a:t>ACTN-VN level </a:t>
+            </a:r>
+            <a:endParaRPr lang="en-US" dirty="0" smtClean="0"/>
           </a:p>
           <a:p>
             <a:pPr>
@@ -13372,6 +13379,156 @@
     <p:extLst>
       <p:ext uri="{BB962C8B-B14F-4D97-AF65-F5344CB8AC3E}">
         <p14:creationId xmlns:p14="http://schemas.microsoft.com/office/powerpoint/2010/main" val="2912423524"/>
+      </p:ext>
+    </p:extLst>
+  </p:cSld>
+  <p:clrMapOvr>
+    <a:masterClrMapping/>
+  </p:clrMapOvr>
+  <mc:AlternateContent xmlns:mc="http://schemas.openxmlformats.org/markup-compatibility/2006" xmlns:p14="http://schemas.microsoft.com/office/powerpoint/2010/main">
+    <mc:Choice Requires="p14">
+      <p:transition spd="med" p14:dur="700">
+        <p:fade/>
+      </p:transition>
+    </mc:Choice>
+    <mc:Fallback xmlns="">
+      <p:transition spd="med">
+        <p:fade/>
+      </p:transition>
+    </mc:Fallback>
+  </mc:AlternateContent>
+  <p:timing>
+    <p:tnLst>
+      <p:par>
+        <p:cTn id="1" dur="indefinite" restart="never" nodeType="tmRoot"/>
+      </p:par>
+    </p:tnLst>
+  </p:timing>
+</p:sld>
+</file>
+
+<file path=ppt/slides/slide9.xml><?xml version="1.0" encoding="utf-8"?>
+<p:sld xmlns:a="http://schemas.openxmlformats.org/drawingml/2006/main" xmlns:r="http://schemas.openxmlformats.org/officeDocument/2006/relationships" xmlns:p="http://schemas.openxmlformats.org/presentationml/2006/main">
+  <p:cSld>
+    <p:spTree>
+      <p:nvGrpSpPr>
+        <p:cNvPr id="1" name=""/>
+        <p:cNvGrpSpPr/>
+        <p:nvPr/>
+      </p:nvGrpSpPr>
+      <p:grpSpPr>
+        <a:xfrm>
+          <a:off x="0" y="0"/>
+          <a:ext cx="0" cy="0"/>
+          <a:chOff x="0" y="0"/>
+          <a:chExt cx="0" cy="0"/>
+        </a:xfrm>
+      </p:grpSpPr>
+      <p:sp>
+        <p:nvSpPr>
+          <p:cNvPr id="2" name="Title 1"/>
+          <p:cNvSpPr>
+            <a:spLocks noGrp="1"/>
+          </p:cNvSpPr>
+          <p:nvPr>
+            <p:ph type="title"/>
+          </p:nvPr>
+        </p:nvSpPr>
+        <p:spPr/>
+        <p:txBody>
+          <a:bodyPr/>
+          <a:lstStyle/>
+          <a:p>
+            <a:r>
+              <a:rPr lang="en-US" dirty="0" smtClean="0"/>
+              <a:t>Thanks! </a:t>
+            </a:r>
+            <a:endParaRPr lang="en-IN" dirty="0"/>
+          </a:p>
+        </p:txBody>
+      </p:sp>
+      <p:sp>
+        <p:nvSpPr>
+          <p:cNvPr id="3" name="Picture Placeholder 2"/>
+          <p:cNvSpPr>
+            <a:spLocks noGrp="1"/>
+          </p:cNvSpPr>
+          <p:nvPr>
+            <p:ph type="pic" idx="1"/>
+          </p:nvPr>
+        </p:nvSpPr>
+        <p:spPr/>
+      </p:sp>
+      <p:sp>
+        <p:nvSpPr>
+          <p:cNvPr id="4" name="Text Placeholder 3"/>
+          <p:cNvSpPr>
+            <a:spLocks noGrp="1"/>
+          </p:cNvSpPr>
+          <p:nvPr>
+            <p:ph type="body" sz="half" idx="2"/>
+          </p:nvPr>
+        </p:nvSpPr>
+        <p:spPr/>
+        <p:txBody>
+          <a:bodyPr/>
+          <a:lstStyle/>
+          <a:p>
+            <a:endParaRPr lang="en-IN"/>
+          </a:p>
+        </p:txBody>
+      </p:sp>
+      <p:sp>
+        <p:nvSpPr>
+          <p:cNvPr id="5" name="Footer Placeholder 4"/>
+          <p:cNvSpPr>
+            <a:spLocks noGrp="1"/>
+          </p:cNvSpPr>
+          <p:nvPr>
+            <p:ph type="ftr" sz="quarter" idx="11"/>
+          </p:nvPr>
+        </p:nvSpPr>
+        <p:spPr/>
+        <p:txBody>
+          <a:bodyPr/>
+          <a:lstStyle/>
+          <a:p>
+            <a:r>
+              <a:rPr lang="en-US" smtClean="0"/>
+              <a:t>TEAS WG @ IETF 102</a:t>
+            </a:r>
+            <a:endParaRPr lang="en-US"/>
+          </a:p>
+        </p:txBody>
+      </p:sp>
+      <p:sp>
+        <p:nvSpPr>
+          <p:cNvPr id="6" name="Slide Number Placeholder 5"/>
+          <p:cNvSpPr>
+            <a:spLocks noGrp="1"/>
+          </p:cNvSpPr>
+          <p:nvPr>
+            <p:ph type="sldNum" sz="quarter" idx="12"/>
+          </p:nvPr>
+        </p:nvSpPr>
+        <p:spPr/>
+        <p:txBody>
+          <a:bodyPr/>
+          <a:lstStyle/>
+          <a:p>
+            <a:fld id="{10E4A4DB-036F-4816-A98C-42C4167E83C5}" type="slidenum">
+              <a:rPr lang="en-US" smtClean="0"/>
+              <a:pPr/>
+              <a:t>9</a:t>
+            </a:fld>
+            <a:endParaRPr lang="en-US"/>
+          </a:p>
+        </p:txBody>
+      </p:sp>
+    </p:spTree>
+    <p:extLst>
+      <p:ext uri="{BB962C8B-B14F-4D97-AF65-F5344CB8AC3E}">
+        <p14:creationId xmlns:p14="http://schemas.microsoft.com/office/powerpoint/2010/main" val="3346458450"/>
       </p:ext>
     </p:extLst>
   </p:cSld>
